--- a/DSA Project-PDF Maker.pptx
+++ b/DSA Project-PDF Maker.pptx
@@ -734,7 +734,8 @@
           <a:p>
             <a:fld id="{CC014030-B531-46C5-944A-904E9F430258}" type="datetimeFigureOut">
               <a:rPr lang="en-US" smtClean="0"/>
-              <a:t>11/16/2019</a:t>
+              <a:pPr/>
+              <a:t>10/1/2020</a:t>
             </a:fld>
             <a:endParaRPr lang="en-US"/>
           </a:p>
@@ -796,6 +797,7 @@
           <a:p>
             <a:fld id="{AEF2CE27-F476-4FC4-BAE2-7F945B169F3F}" type="slidenum">
               <a:rPr lang="en-US" smtClean="0"/>
+              <a:pPr/>
               <a:t>‹#›</a:t>
             </a:fld>
             <a:endParaRPr lang="en-US"/>
@@ -930,7 +932,8 @@
           <a:p>
             <a:fld id="{CC014030-B531-46C5-944A-904E9F430258}" type="datetimeFigureOut">
               <a:rPr lang="en-US" smtClean="0"/>
-              <a:t>11/16/2019</a:t>
+              <a:pPr/>
+              <a:t>10/1/2020</a:t>
             </a:fld>
             <a:endParaRPr lang="en-US"/>
           </a:p>
@@ -976,6 +979,7 @@
           <a:p>
             <a:fld id="{AEF2CE27-F476-4FC4-BAE2-7F945B169F3F}" type="slidenum">
               <a:rPr lang="en-US" smtClean="0"/>
+              <a:pPr/>
               <a:t>‹#›</a:t>
             </a:fld>
             <a:endParaRPr lang="en-US"/>
@@ -1115,7 +1119,8 @@
           <a:p>
             <a:fld id="{CC014030-B531-46C5-944A-904E9F430258}" type="datetimeFigureOut">
               <a:rPr lang="en-US" smtClean="0"/>
-              <a:t>11/16/2019</a:t>
+              <a:pPr/>
+              <a:t>10/1/2020</a:t>
             </a:fld>
             <a:endParaRPr lang="en-US"/>
           </a:p>
@@ -1161,6 +1166,7 @@
           <a:p>
             <a:fld id="{AEF2CE27-F476-4FC4-BAE2-7F945B169F3F}" type="slidenum">
               <a:rPr lang="en-US" smtClean="0"/>
+              <a:pPr/>
               <a:t>‹#›</a:t>
             </a:fld>
             <a:endParaRPr lang="en-US"/>
@@ -1265,7 +1271,8 @@
           <a:p>
             <a:fld id="{CC014030-B531-46C5-944A-904E9F430258}" type="datetimeFigureOut">
               <a:rPr lang="en-US" smtClean="0"/>
-              <a:t>11/16/2019</a:t>
+              <a:pPr/>
+              <a:t>10/1/2020</a:t>
             </a:fld>
             <a:endParaRPr lang="en-US"/>
           </a:p>
@@ -1311,6 +1318,7 @@
           <a:p>
             <a:fld id="{AEF2CE27-F476-4FC4-BAE2-7F945B169F3F}" type="slidenum">
               <a:rPr lang="en-US" smtClean="0"/>
+              <a:pPr/>
               <a:t>‹#›</a:t>
             </a:fld>
             <a:endParaRPr lang="en-US"/>
@@ -1520,7 +1528,8 @@
           <a:p>
             <a:fld id="{CC014030-B531-46C5-944A-904E9F430258}" type="datetimeFigureOut">
               <a:rPr lang="en-US" smtClean="0"/>
-              <a:t>11/16/2019</a:t>
+              <a:pPr/>
+              <a:t>10/1/2020</a:t>
             </a:fld>
             <a:endParaRPr lang="en-US"/>
           </a:p>
@@ -1566,6 +1575,7 @@
           <a:p>
             <a:fld id="{AEF2CE27-F476-4FC4-BAE2-7F945B169F3F}" type="slidenum">
               <a:rPr lang="en-US" smtClean="0"/>
+              <a:pPr/>
               <a:t>‹#›</a:t>
             </a:fld>
             <a:endParaRPr lang="en-US"/>
@@ -1929,7 +1939,8 @@
           <a:p>
             <a:fld id="{CC014030-B531-46C5-944A-904E9F430258}" type="datetimeFigureOut">
               <a:rPr lang="en-US" smtClean="0"/>
-              <a:t>11/16/2019</a:t>
+              <a:pPr/>
+              <a:t>10/1/2020</a:t>
             </a:fld>
             <a:endParaRPr lang="en-US"/>
           </a:p>
@@ -1975,6 +1986,7 @@
           <a:p>
             <a:fld id="{AEF2CE27-F476-4FC4-BAE2-7F945B169F3F}" type="slidenum">
               <a:rPr lang="en-US" smtClean="0"/>
+              <a:pPr/>
               <a:t>‹#›</a:t>
             </a:fld>
             <a:endParaRPr lang="en-US"/>
@@ -2375,7 +2387,8 @@
           <a:p>
             <a:fld id="{CC014030-B531-46C5-944A-904E9F430258}" type="datetimeFigureOut">
               <a:rPr lang="en-US" smtClean="0"/>
-              <a:t>11/16/2019</a:t>
+              <a:pPr/>
+              <a:t>10/1/2020</a:t>
             </a:fld>
             <a:endParaRPr lang="en-US"/>
           </a:p>
@@ -2421,6 +2434,7 @@
           <a:p>
             <a:fld id="{AEF2CE27-F476-4FC4-BAE2-7F945B169F3F}" type="slidenum">
               <a:rPr lang="en-US" smtClean="0"/>
+              <a:pPr/>
               <a:t>‹#›</a:t>
             </a:fld>
             <a:endParaRPr lang="en-US"/>
@@ -2476,7 +2490,8 @@
           <a:p>
             <a:fld id="{CC014030-B531-46C5-944A-904E9F430258}" type="datetimeFigureOut">
               <a:rPr lang="en-US" smtClean="0"/>
-              <a:t>11/16/2019</a:t>
+              <a:pPr/>
+              <a:t>10/1/2020</a:t>
             </a:fld>
             <a:endParaRPr lang="en-US"/>
           </a:p>
@@ -2522,6 +2537,7 @@
           <a:p>
             <a:fld id="{AEF2CE27-F476-4FC4-BAE2-7F945B169F3F}" type="slidenum">
               <a:rPr lang="en-US" smtClean="0"/>
+              <a:pPr/>
               <a:t>‹#›</a:t>
             </a:fld>
             <a:endParaRPr lang="en-US"/>
@@ -2597,7 +2613,8 @@
           <a:p>
             <a:fld id="{CC014030-B531-46C5-944A-904E9F430258}" type="datetimeFigureOut">
               <a:rPr lang="en-US" smtClean="0"/>
-              <a:t>11/16/2019</a:t>
+              <a:pPr/>
+              <a:t>10/1/2020</a:t>
             </a:fld>
             <a:endParaRPr lang="en-US"/>
           </a:p>
@@ -2643,6 +2660,7 @@
           <a:p>
             <a:fld id="{AEF2CE27-F476-4FC4-BAE2-7F945B169F3F}" type="slidenum">
               <a:rPr lang="en-US" smtClean="0"/>
+              <a:pPr/>
               <a:t>‹#›</a:t>
             </a:fld>
             <a:endParaRPr lang="en-US"/>
@@ -2871,7 +2889,8 @@
           <a:p>
             <a:fld id="{CC014030-B531-46C5-944A-904E9F430258}" type="datetimeFigureOut">
               <a:rPr lang="en-US" smtClean="0"/>
-              <a:t>11/16/2019</a:t>
+              <a:pPr/>
+              <a:t>10/1/2020</a:t>
             </a:fld>
             <a:endParaRPr lang="en-US"/>
           </a:p>
@@ -2917,6 +2936,7 @@
           <a:p>
             <a:fld id="{AEF2CE27-F476-4FC4-BAE2-7F945B169F3F}" type="slidenum">
               <a:rPr lang="en-US" smtClean="0"/>
+              <a:pPr/>
               <a:t>‹#›</a:t>
             </a:fld>
             <a:endParaRPr lang="en-US"/>
@@ -3076,7 +3096,8 @@
           <a:p>
             <a:fld id="{CC014030-B531-46C5-944A-904E9F430258}" type="datetimeFigureOut">
               <a:rPr lang="en-US" smtClean="0"/>
-              <a:t>11/16/2019</a:t>
+              <a:pPr/>
+              <a:t>10/1/2020</a:t>
             </a:fld>
             <a:endParaRPr lang="en-US"/>
           </a:p>
@@ -3141,6 +3162,7 @@
           <a:p>
             <a:fld id="{AEF2CE27-F476-4FC4-BAE2-7F945B169F3F}" type="slidenum">
               <a:rPr lang="en-US" smtClean="0"/>
+              <a:pPr/>
               <a:t>‹#›</a:t>
             </a:fld>
             <a:endParaRPr lang="en-US"/>
@@ -4185,7 +4207,8 @@
           <a:p>
             <a:fld id="{CC014030-B531-46C5-944A-904E9F430258}" type="datetimeFigureOut">
               <a:rPr lang="en-US" smtClean="0"/>
-              <a:t>11/16/2019</a:t>
+              <a:pPr/>
+              <a:t>10/1/2020</a:t>
             </a:fld>
             <a:endParaRPr lang="en-US"/>
           </a:p>
@@ -4261,6 +4284,7 @@
           <a:p>
             <a:fld id="{AEF2CE27-F476-4FC4-BAE2-7F945B169F3F}" type="slidenum">
               <a:rPr lang="en-US" smtClean="0"/>
+              <a:pPr/>
               <a:t>‹#›</a:t>
             </a:fld>
             <a:endParaRPr lang="en-US"/>
@@ -4635,37 +4659,7 @@
           <a:bodyPr/>
           <a:lstStyle/>
           <a:p>
-            <a:r>
-              <a:rPr lang="en-US" dirty="0" smtClean="0"/>
-              <a:t>18BCE184 – </a:t>
-            </a:r>
-            <a:r>
-              <a:rPr lang="en-US" dirty="0" err="1" smtClean="0"/>
-              <a:t>Rasik</a:t>
-            </a:r>
-            <a:r>
-              <a:rPr lang="en-US" dirty="0" smtClean="0"/>
-              <a:t> </a:t>
-            </a:r>
-            <a:r>
-              <a:rPr lang="en-US" dirty="0" err="1" smtClean="0"/>
-              <a:t>Prajapati</a:t>
-            </a:r>
             <a:endParaRPr lang="en-US" dirty="0" smtClean="0"/>
-          </a:p>
-          <a:p>
-            <a:r>
-              <a:rPr lang="en-US" dirty="0" smtClean="0"/>
-              <a:t>18BCE173 – </a:t>
-            </a:r>
-            <a:r>
-              <a:rPr lang="en-US" dirty="0" err="1" smtClean="0"/>
-              <a:t>Utpal</a:t>
-            </a:r>
-            <a:r>
-              <a:rPr lang="en-US" dirty="0" smtClean="0"/>
-              <a:t> Patel</a:t>
-            </a:r>
           </a:p>
           <a:p>
             <a:endParaRPr lang="en-US" dirty="0"/>
